--- a/Governance/Regain control with Azure Governance.pptx
+++ b/Governance/Regain control with Azure Governance.pptx
@@ -6204,7 +6204,7 @@
           <a:p>
             <a:fld id="{35FA8DEF-A091-44A8-A70B-42AAFE071624}" type="datetimeFigureOut">
               <a:rPr lang="en-DK" smtClean="0"/>
-              <a:t>04/06/2019</a:t>
+              <a:t>04/10/2019</a:t>
             </a:fld>
             <a:endParaRPr lang="en-DK"/>
           </a:p>
@@ -6964,7 +6964,7 @@
                 <a:tabLst/>
                 <a:defRPr/>
               </a:pPr>
-              <a:t>4/6/2019 4:01 PM</a:t>
+              <a:t>4/10/2019 10:33 AM</a:t>
             </a:fld>
             <a:endParaRPr kumimoji="0" lang="en-US" sz="1200" b="0" i="0" u="none" strike="noStrike" kern="1200" cap="none" spc="0" normalizeH="0" baseline="0" noProof="0" dirty="0">
               <a:ln>
@@ -7305,7 +7305,7 @@
                 <a:tabLst/>
                 <a:defRPr/>
               </a:pPr>
-              <a:t>4/6/2019 4:01 PM</a:t>
+              <a:t>4/10/2019 10:33 AM</a:t>
             </a:fld>
             <a:endParaRPr kumimoji="0" lang="en-US" sz="1200" b="0" i="0" u="none" strike="noStrike" kern="1200" cap="none" spc="0" normalizeH="0" baseline="0" noProof="0" dirty="0">
               <a:ln>
@@ -7646,7 +7646,7 @@
                 <a:tabLst/>
                 <a:defRPr/>
               </a:pPr>
-              <a:t>4/6/2019 4:01 PM</a:t>
+              <a:t>4/10/2019 10:33 AM</a:t>
             </a:fld>
             <a:endParaRPr kumimoji="0" lang="en-US" sz="1200" b="0" i="0" u="none" strike="noStrike" kern="1200" cap="none" spc="0" normalizeH="0" baseline="0" noProof="0" dirty="0">
               <a:ln>
@@ -7987,7 +7987,7 @@
                 <a:tabLst/>
                 <a:defRPr/>
               </a:pPr>
-              <a:t>4/6/2019 4:01 PM</a:t>
+              <a:t>4/10/2019 10:33 AM</a:t>
             </a:fld>
             <a:endParaRPr kumimoji="0" lang="en-US" sz="1200" b="0" i="0" u="none" strike="noStrike" kern="1200" cap="none" spc="0" normalizeH="0" baseline="0" noProof="0" dirty="0">
               <a:ln>
@@ -8328,7 +8328,7 @@
                 <a:tabLst/>
                 <a:defRPr/>
               </a:pPr>
-              <a:t>4/6/2019 4:01 PM</a:t>
+              <a:t>4/10/2019 10:33 AM</a:t>
             </a:fld>
             <a:endParaRPr kumimoji="0" lang="en-US" sz="1200" b="0" i="0" u="none" strike="noStrike" kern="1200" cap="none" spc="0" normalizeH="0" baseline="0" noProof="0" dirty="0">
               <a:ln>
@@ -8669,7 +8669,7 @@
                 <a:tabLst/>
                 <a:defRPr/>
               </a:pPr>
-              <a:t>4/6/2019 4:01 PM</a:t>
+              <a:t>4/10/2019 10:33 AM</a:t>
             </a:fld>
             <a:endParaRPr kumimoji="0" lang="en-US" sz="1200" b="0" i="0" u="none" strike="noStrike" kern="1200" cap="none" spc="0" normalizeH="0" baseline="0" noProof="0" dirty="0">
               <a:ln>
@@ -9010,7 +9010,7 @@
                 <a:tabLst/>
                 <a:defRPr/>
               </a:pPr>
-              <a:t>4/6/2019 4:09 PM</a:t>
+              <a:t>4/10/2019 10:33 AM</a:t>
             </a:fld>
             <a:endParaRPr kumimoji="0" lang="en-US" sz="1200" b="0" i="0" u="none" strike="noStrike" kern="1200" cap="none" spc="0" normalizeH="0" baseline="0" noProof="0" dirty="0">
               <a:ln>
@@ -9351,7 +9351,7 @@
                 <a:tabLst/>
                 <a:defRPr/>
               </a:pPr>
-              <a:t>4/6/2019 4:01 PM</a:t>
+              <a:t>4/10/2019 10:33 AM</a:t>
             </a:fld>
             <a:endParaRPr kumimoji="0" lang="en-US" sz="1200" b="0" i="0" u="none" strike="noStrike" kern="1200" cap="none" spc="0" normalizeH="0" baseline="0" noProof="0" dirty="0">
               <a:ln>
@@ -9692,7 +9692,7 @@
                 <a:tabLst/>
                 <a:defRPr/>
               </a:pPr>
-              <a:t>4/6/2019 4:01 PM</a:t>
+              <a:t>4/10/2019 10:33 AM</a:t>
             </a:fld>
             <a:endParaRPr kumimoji="0" lang="en-US" sz="1200" b="0" i="0" u="none" strike="noStrike" kern="1200" cap="none" spc="0" normalizeH="0" baseline="0" noProof="0" dirty="0">
               <a:ln>
@@ -10033,7 +10033,7 @@
                 <a:tabLst/>
                 <a:defRPr/>
               </a:pPr>
-              <a:t>4/6/2019 4:01 PM</a:t>
+              <a:t>4/10/2019 10:33 AM</a:t>
             </a:fld>
             <a:endParaRPr kumimoji="0" lang="en-US" sz="1200" b="0" i="0" u="none" strike="noStrike" kern="1200" cap="none" spc="0" normalizeH="0" baseline="0" noProof="0" dirty="0">
               <a:ln>
@@ -10374,7 +10374,7 @@
                 <a:tabLst/>
                 <a:defRPr/>
               </a:pPr>
-              <a:t>4/6/2019 4:01 PM</a:t>
+              <a:t>4/10/2019 10:33 AM</a:t>
             </a:fld>
             <a:endParaRPr kumimoji="0" lang="en-US" sz="1200" b="0" i="0" u="none" strike="noStrike" kern="1200" cap="none" spc="0" normalizeH="0" baseline="0" noProof="0" dirty="0">
               <a:ln>
@@ -10715,7 +10715,7 @@
                 <a:tabLst/>
                 <a:defRPr/>
               </a:pPr>
-              <a:t>4/6/2019 4:01 PM</a:t>
+              <a:t>4/10/2019 10:33 AM</a:t>
             </a:fld>
             <a:endParaRPr kumimoji="0" lang="en-US" sz="1200" b="0" i="0" u="none" strike="noStrike" kern="1200" cap="none" spc="0" normalizeH="0" baseline="0" noProof="0" dirty="0">
               <a:ln>
@@ -11056,7 +11056,7 @@
                 <a:tabLst/>
                 <a:defRPr/>
               </a:pPr>
-              <a:t>4/6/2019 4:01 PM</a:t>
+              <a:t>4/10/2019 10:33 AM</a:t>
             </a:fld>
             <a:endParaRPr kumimoji="0" lang="en-US" sz="1200" b="0" i="0" u="none" strike="noStrike" kern="1200" cap="none" spc="0" normalizeH="0" baseline="0" noProof="0" dirty="0">
               <a:ln>
@@ -11415,7 +11415,7 @@
                 <a:tabLst/>
                 <a:defRPr/>
               </a:pPr>
-              <a:t>4/6/2019 4:01 PM</a:t>
+              <a:t>4/10/2019 10:33 AM</a:t>
             </a:fld>
             <a:endParaRPr kumimoji="0" lang="en-US" sz="1200" b="0" i="0" u="none" strike="noStrike" kern="1200" cap="none" spc="0" normalizeH="0" baseline="0" noProof="0" dirty="0">
               <a:ln>
@@ -11970,7 +11970,7 @@
                 <a:tabLst/>
                 <a:defRPr/>
               </a:pPr>
-              <a:t>4/6/2019 4:01 PM</a:t>
+              <a:t>4/10/2019 10:33 AM</a:t>
             </a:fld>
             <a:endParaRPr kumimoji="0" lang="en-US" sz="1200" b="0" i="0" u="none" strike="noStrike" kern="1200" cap="none" spc="0" normalizeH="0" baseline="0" noProof="0" dirty="0">
               <a:ln>
@@ -20499,7 +20499,7 @@
           <a:p>
             <a:r>
               <a:rPr lang="en-US" dirty="0"/>
-              <a:t>Taking Back Control</a:t>
+              <a:t>Regain Control</a:t>
             </a:r>
           </a:p>
         </p:txBody>
@@ -23153,7 +23153,7 @@
         </p:blipFill>
         <p:spPr bwMode="auto">
           <a:xfrm>
-            <a:off x="5551544" y="3266888"/>
+            <a:off x="5551544" y="3297671"/>
             <a:ext cx="760475" cy="870342"/>
           </a:xfrm>
           <a:prstGeom prst="rect">
@@ -23223,14 +23223,19 @@
             <p:ph type="title"/>
           </p:nvPr>
         </p:nvSpPr>
-        <p:spPr/>
+        <p:spPr>
+          <a:xfrm>
+            <a:off x="441197" y="342900"/>
+            <a:ext cx="8263890" cy="415498"/>
+          </a:xfrm>
+        </p:spPr>
         <p:txBody>
           <a:bodyPr/>
           <a:lstStyle/>
           <a:p>
             <a:r>
               <a:rPr lang="en-US" dirty="0"/>
-              <a:t>Taking Back Control</a:t>
+              <a:t>Regain Control</a:t>
             </a:r>
           </a:p>
         </p:txBody>
@@ -23561,7 +23566,7 @@
           <a:p>
             <a:r>
               <a:rPr lang="en-US" dirty="0"/>
-              <a:t>Taking Back Control</a:t>
+              <a:t>Regain Control</a:t>
             </a:r>
           </a:p>
         </p:txBody>
